--- a/slides/images/figures2.pptx
+++ b/slides/images/figures2.pptx
@@ -105,7 +105,65 @@
       </a:defRPr>
     </a:lvl9pPr>
   </p:defaultTextStyle>
+  <p:extLst>
+    <p:ext uri="{EFAFB233-063F-42B5-8137-9DF3F51BA10A}">
+      <p15:sldGuideLst xmlns:p15="http://schemas.microsoft.com/office/powerpoint/2012/main"/>
+    </p:ext>
+  </p:extLst>
 </p:presentation>
+</file>
+
+<file path=ppt/revisionInfo.xml><?xml version="1.0" encoding="utf-8"?>
+<p1510:revInfo xmlns:a="http://schemas.openxmlformats.org/drawingml/2006/main" xmlns:r="http://schemas.openxmlformats.org/officeDocument/2006/relationships" xmlns:p1510="http://schemas.microsoft.com/office/powerpoint/2015/10/main">
+  <p1510:revLst>
+    <p1510:client id="{E35A7074-DFF6-4DCA-ADE9-03EB04FCEBBC}" v="1" dt="2024-10-16T15:57:03.422"/>
+  </p1510:revLst>
+</p1510:revInfo>
+</file>
+
+<file path=ppt/changesInfos/changesInfo1.xml><?xml version="1.0" encoding="utf-8"?>
+<pc:chgInfo xmlns:a="http://schemas.openxmlformats.org/drawingml/2006/main" xmlns:r="http://schemas.openxmlformats.org/officeDocument/2006/relationships" xmlns:ac="http://schemas.microsoft.com/office/drawing/2013/main/command" xmlns:pc="http://schemas.microsoft.com/office/powerpoint/2013/main/command">
+  <pc:docChgLst>
+    <pc:chgData name="Sarah Grabinski" userId="6e2603e9ea7112e0" providerId="LiveId" clId="{E35A7074-DFF6-4DCA-ADE9-03EB04FCEBBC}"/>
+    <pc:docChg chg="modSld">
+      <pc:chgData name="Sarah Grabinski" userId="6e2603e9ea7112e0" providerId="LiveId" clId="{E35A7074-DFF6-4DCA-ADE9-03EB04FCEBBC}" dt="2024-10-16T15:57:03.421" v="0" actId="5736"/>
+      <pc:docMkLst>
+        <pc:docMk/>
+      </pc:docMkLst>
+      <pc:sldChg chg="modSp">
+        <pc:chgData name="Sarah Grabinski" userId="6e2603e9ea7112e0" providerId="LiveId" clId="{E35A7074-DFF6-4DCA-ADE9-03EB04FCEBBC}" dt="2024-10-16T15:57:03.421" v="0" actId="5736"/>
+        <pc:sldMkLst>
+          <pc:docMk/>
+          <pc:sldMk cId="3993805958" sldId="256"/>
+        </pc:sldMkLst>
+        <pc:spChg chg="mod">
+          <ac:chgData name="Sarah Grabinski" userId="6e2603e9ea7112e0" providerId="LiveId" clId="{E35A7074-DFF6-4DCA-ADE9-03EB04FCEBBC}" dt="2024-10-16T15:57:03.421" v="0" actId="5736"/>
+          <ac:spMkLst>
+            <pc:docMk/>
+            <pc:sldMk cId="3993805958" sldId="256"/>
+            <ac:spMk id="8" creationId="{2C4C60DC-6E48-F0C5-B52F-CDADA26B7B40}"/>
+          </ac:spMkLst>
+        </pc:spChg>
+        <pc:spChg chg="mod">
+          <ac:chgData name="Sarah Grabinski" userId="6e2603e9ea7112e0" providerId="LiveId" clId="{E35A7074-DFF6-4DCA-ADE9-03EB04FCEBBC}" dt="2024-10-16T15:57:03.421" v="0" actId="5736"/>
+          <ac:spMkLst>
+            <pc:docMk/>
+            <pc:sldMk cId="3993805958" sldId="256"/>
+            <ac:spMk id="9" creationId="{F0E431F4-D3AB-6B94-B27C-ACC575141A70}"/>
+          </ac:spMkLst>
+        </pc:spChg>
+        <pc:graphicFrameChg chg="mod">
+          <ac:chgData name="Sarah Grabinski" userId="6e2603e9ea7112e0" providerId="LiveId" clId="{E35A7074-DFF6-4DCA-ADE9-03EB04FCEBBC}" dt="2024-10-16T15:57:03.421" v="0" actId="5736"/>
+          <ac:graphicFrameMkLst>
+            <pc:docMk/>
+            <pc:sldMk cId="3993805958" sldId="256"/>
+            <ac:graphicFrameMk id="7" creationId="{328C5133-03FC-6D8B-4A9D-1F481CC5B664}"/>
+          </ac:graphicFrameMkLst>
+        </pc:graphicFrameChg>
+      </pc:sldChg>
+    </pc:docChg>
+  </pc:docChgLst>
+</pc:chgInfo>
 </file>
 
 <file path=ppt/slideLayouts/slideLayout1.xml><?xml version="1.0" encoding="utf-8"?>
@@ -255,7 +313,7 @@
           <a:p>
             <a:fld id="{9DC1DD15-3473-4127-B230-DCDA961DD22F}" type="datetimeFigureOut">
               <a:rPr lang="en-US" smtClean="0"/>
-              <a:t>9/13/2024</a:t>
+              <a:t>10/16/2024</a:t>
             </a:fld>
             <a:endParaRPr lang="en-US"/>
           </a:p>
@@ -453,7 +511,7 @@
           <a:p>
             <a:fld id="{9DC1DD15-3473-4127-B230-DCDA961DD22F}" type="datetimeFigureOut">
               <a:rPr lang="en-US" smtClean="0"/>
-              <a:t>9/13/2024</a:t>
+              <a:t>10/16/2024</a:t>
             </a:fld>
             <a:endParaRPr lang="en-US"/>
           </a:p>
@@ -661,7 +719,7 @@
           <a:p>
             <a:fld id="{9DC1DD15-3473-4127-B230-DCDA961DD22F}" type="datetimeFigureOut">
               <a:rPr lang="en-US" smtClean="0"/>
-              <a:t>9/13/2024</a:t>
+              <a:t>10/16/2024</a:t>
             </a:fld>
             <a:endParaRPr lang="en-US"/>
           </a:p>
@@ -859,7 +917,7 @@
           <a:p>
             <a:fld id="{9DC1DD15-3473-4127-B230-DCDA961DD22F}" type="datetimeFigureOut">
               <a:rPr lang="en-US" smtClean="0"/>
-              <a:t>9/13/2024</a:t>
+              <a:t>10/16/2024</a:t>
             </a:fld>
             <a:endParaRPr lang="en-US"/>
           </a:p>
@@ -1134,7 +1192,7 @@
           <a:p>
             <a:fld id="{9DC1DD15-3473-4127-B230-DCDA961DD22F}" type="datetimeFigureOut">
               <a:rPr lang="en-US" smtClean="0"/>
-              <a:t>9/13/2024</a:t>
+              <a:t>10/16/2024</a:t>
             </a:fld>
             <a:endParaRPr lang="en-US"/>
           </a:p>
@@ -1399,7 +1457,7 @@
           <a:p>
             <a:fld id="{9DC1DD15-3473-4127-B230-DCDA961DD22F}" type="datetimeFigureOut">
               <a:rPr lang="en-US" smtClean="0"/>
-              <a:t>9/13/2024</a:t>
+              <a:t>10/16/2024</a:t>
             </a:fld>
             <a:endParaRPr lang="en-US"/>
           </a:p>
@@ -1811,7 +1869,7 @@
           <a:p>
             <a:fld id="{9DC1DD15-3473-4127-B230-DCDA961DD22F}" type="datetimeFigureOut">
               <a:rPr lang="en-US" smtClean="0"/>
-              <a:t>9/13/2024</a:t>
+              <a:t>10/16/2024</a:t>
             </a:fld>
             <a:endParaRPr lang="en-US"/>
           </a:p>
@@ -1952,7 +2010,7 @@
           <a:p>
             <a:fld id="{9DC1DD15-3473-4127-B230-DCDA961DD22F}" type="datetimeFigureOut">
               <a:rPr lang="en-US" smtClean="0"/>
-              <a:t>9/13/2024</a:t>
+              <a:t>10/16/2024</a:t>
             </a:fld>
             <a:endParaRPr lang="en-US"/>
           </a:p>
@@ -2065,7 +2123,7 @@
           <a:p>
             <a:fld id="{9DC1DD15-3473-4127-B230-DCDA961DD22F}" type="datetimeFigureOut">
               <a:rPr lang="en-US" smtClean="0"/>
-              <a:t>9/13/2024</a:t>
+              <a:t>10/16/2024</a:t>
             </a:fld>
             <a:endParaRPr lang="en-US"/>
           </a:p>
@@ -2376,7 +2434,7 @@
           <a:p>
             <a:fld id="{9DC1DD15-3473-4127-B230-DCDA961DD22F}" type="datetimeFigureOut">
               <a:rPr lang="en-US" smtClean="0"/>
-              <a:t>9/13/2024</a:t>
+              <a:t>10/16/2024</a:t>
             </a:fld>
             <a:endParaRPr lang="en-US"/>
           </a:p>
@@ -2664,7 +2722,7 @@
           <a:p>
             <a:fld id="{9DC1DD15-3473-4127-B230-DCDA961DD22F}" type="datetimeFigureOut">
               <a:rPr lang="en-US" smtClean="0"/>
-              <a:t>9/13/2024</a:t>
+              <a:t>10/16/2024</a:t>
             </a:fld>
             <a:endParaRPr lang="en-US"/>
           </a:p>
@@ -2905,7 +2963,7 @@
           <a:p>
             <a:fld id="{9DC1DD15-3473-4127-B230-DCDA961DD22F}" type="datetimeFigureOut">
               <a:rPr lang="en-US" smtClean="0"/>
-              <a:t>9/13/2024</a:t>
+              <a:t>10/16/2024</a:t>
             </a:fld>
             <a:endParaRPr lang="en-US"/>
           </a:p>
@@ -3337,7 +3395,7 @@
           <p:nvPr>
             <p:extLst>
               <p:ext uri="{D42A27DB-BD31-4B8C-83A1-F6EECF244321}">
-                <p14:modId xmlns:p14="http://schemas.microsoft.com/office/powerpoint/2010/main" val="340743702"/>
+                <p14:modId xmlns:p14="http://schemas.microsoft.com/office/powerpoint/2010/main" val="1667336457"/>
               </p:ext>
             </p:extLst>
           </p:nvPr>
